--- a/Predicting sales win or lose.pptx
+++ b/Predicting sales win or lose.pptx
@@ -7,13 +7,12 @@
   <p:sldIdLst>
     <p:sldId id="256" r:id="rId2"/>
     <p:sldId id="257" r:id="rId3"/>
-    <p:sldId id="258" r:id="rId4"/>
-    <p:sldId id="259" r:id="rId5"/>
-    <p:sldId id="260" r:id="rId6"/>
-    <p:sldId id="261" r:id="rId7"/>
-    <p:sldId id="262" r:id="rId8"/>
-    <p:sldId id="263" r:id="rId9"/>
-    <p:sldId id="265" r:id="rId10"/>
+    <p:sldId id="259" r:id="rId4"/>
+    <p:sldId id="266" r:id="rId5"/>
+    <p:sldId id="261" r:id="rId6"/>
+    <p:sldId id="262" r:id="rId7"/>
+    <p:sldId id="263" r:id="rId8"/>
+    <p:sldId id="265" r:id="rId9"/>
   </p:sldIdLst>
   <p:sldSz cx="12192000" cy="6858000"/>
   <p:notesSz cx="6858000" cy="9144000"/>
@@ -7920,7 +7919,7 @@
           <a:p>
             <a:r>
               <a:rPr lang="en-US" dirty="0"/>
-              <a:t>OBJECTIVE</a:t>
+              <a:t>DATA</a:t>
             </a:r>
           </a:p>
         </p:txBody>
@@ -7946,14 +7945,58 @@
           <a:bodyPr/>
           <a:lstStyle/>
           <a:p>
-            <a:endParaRPr lang="en-US"/>
+            <a:r>
+              <a:rPr lang="en-US" dirty="0"/>
+              <a:t>The data contains over 78K of sales lead for the last two years</a:t>
+            </a:r>
+          </a:p>
+          <a:p>
+            <a:r>
+              <a:rPr lang="en-US" dirty="0"/>
+              <a:t>Each sales lead data contains information such as </a:t>
+            </a:r>
+            <a:r>
+              <a:rPr lang="en-US" dirty="0" err="1"/>
+              <a:t>SupllierSubGroup</a:t>
+            </a:r>
+            <a:r>
+              <a:rPr lang="en-US" dirty="0"/>
+              <a:t>, Region, Route, </a:t>
+            </a:r>
+            <a:r>
+              <a:rPr lang="en-US" dirty="0" err="1"/>
+              <a:t>TotalDaysQualified</a:t>
+            </a:r>
+            <a:r>
+              <a:rPr lang="en-US" dirty="0"/>
+              <a:t>, </a:t>
+            </a:r>
+            <a:r>
+              <a:rPr lang="en-US" dirty="0" err="1"/>
+              <a:t>TotalDaysClosing</a:t>
+            </a:r>
+            <a:r>
+              <a:rPr lang="en-US" dirty="0"/>
+              <a:t>, Competitor, </a:t>
+            </a:r>
+            <a:r>
+              <a:rPr lang="en-US" dirty="0" err="1"/>
+              <a:t>etc</a:t>
+            </a:r>
+            <a:endParaRPr lang="en-US" dirty="0"/>
+          </a:p>
+          <a:p>
+            <a:r>
+              <a:rPr lang="en-US" dirty="0"/>
+              <a:t>The number of loss sales lead data is 75%</a:t>
+            </a:r>
           </a:p>
         </p:txBody>
       </p:sp>
     </p:spTree>
     <p:extLst>
       <p:ext uri="{BB962C8B-B14F-4D97-AF65-F5344CB8AC3E}">
-        <p14:creationId xmlns:p14="http://schemas.microsoft.com/office/powerpoint/2010/main" val="1973898542"/>
+        <p14:creationId xmlns:p14="http://schemas.microsoft.com/office/powerpoint/2010/main" val="2465550997"/>
       </p:ext>
     </p:extLst>
   </p:cSld>
@@ -8003,7 +8046,7 @@
           <a:p>
             <a:r>
               <a:rPr lang="en-US" dirty="0"/>
-              <a:t>DATA</a:t>
+              <a:t>Data Exploration </a:t>
             </a:r>
           </a:p>
         </p:txBody>
@@ -8026,61 +8069,51 @@
         </p:nvSpPr>
         <p:spPr/>
         <p:txBody>
-          <a:bodyPr/>
+          <a:bodyPr>
+            <a:normAutofit/>
+          </a:bodyPr>
           <a:lstStyle/>
           <a:p>
             <a:r>
-              <a:rPr lang="en-US" dirty="0"/>
-              <a:t>The data contains over 78K of sales lead for the last two years</a:t>
-            </a:r>
-          </a:p>
-          <a:p>
-            <a:r>
-              <a:rPr lang="en-US" dirty="0"/>
-              <a:t>Each sales lead data contains information such as </a:t>
-            </a:r>
-            <a:r>
-              <a:rPr lang="en-US" dirty="0" err="1"/>
-              <a:t>SupllierSubGroup</a:t>
-            </a:r>
-            <a:r>
-              <a:rPr lang="en-US" dirty="0"/>
-              <a:t>, Region, Route, </a:t>
-            </a:r>
-            <a:r>
-              <a:rPr lang="en-US" dirty="0" err="1"/>
-              <a:t>TotalDaysQualified</a:t>
-            </a:r>
-            <a:r>
-              <a:rPr lang="en-US" dirty="0"/>
-              <a:t>, </a:t>
-            </a:r>
-            <a:r>
-              <a:rPr lang="en-US" dirty="0" err="1"/>
-              <a:t>TotalDaysClosing</a:t>
-            </a:r>
-            <a:r>
-              <a:rPr lang="en-US" dirty="0"/>
-              <a:t>, Competitor, </a:t>
-            </a:r>
-            <a:r>
-              <a:rPr lang="en-US" dirty="0" err="1"/>
-              <a:t>etc</a:t>
-            </a:r>
-            <a:endParaRPr lang="en-US" dirty="0"/>
-          </a:p>
-          <a:p>
-            <a:r>
-              <a:rPr lang="en-US" dirty="0"/>
-              <a:t>The number of loss sales lead data is 75%</a:t>
-            </a:r>
-          </a:p>
-        </p:txBody>
-      </p:sp>
+              <a:rPr lang="en-US" sz="2000" dirty="0"/>
+              <a:t>The probability of loss opportunity is higher if customer didn't buy anything in the last two years. If client purchase in the last two years, the chance of win decreases as sales deals rises</a:t>
+            </a:r>
+          </a:p>
+        </p:txBody>
+      </p:sp>
+      <p:pic>
+        <p:nvPicPr>
+          <p:cNvPr id="6" name="Content Placeholder 3">
+            <a:extLst>
+              <a:ext uri="{FF2B5EF4-FFF2-40B4-BE49-F238E27FC236}">
+                <a16:creationId xmlns:a16="http://schemas.microsoft.com/office/drawing/2014/main" id="{766063D1-0B43-40E1-89FD-E29BCE18DAF9}"/>
+              </a:ext>
+            </a:extLst>
+          </p:cNvPr>
+          <p:cNvPicPr>
+            <a:picLocks noChangeAspect="1"/>
+          </p:cNvPicPr>
+          <p:nvPr/>
+        </p:nvPicPr>
+        <p:blipFill rotWithShape="1">
+          <a:blip r:embed="rId2"/>
+          <a:srcRect l="23611" t="19434" r="24355" b="18403"/>
+          <a:stretch/>
+        </p:blipFill>
+        <p:spPr>
+          <a:xfrm>
+            <a:off x="2588157" y="3429001"/>
+            <a:ext cx="5619672" cy="3030270"/>
+          </a:xfrm>
+          <a:prstGeom prst="rect">
+            <a:avLst/>
+          </a:prstGeom>
+        </p:spPr>
+      </p:pic>
     </p:spTree>
     <p:extLst>
       <p:ext uri="{BB962C8B-B14F-4D97-AF65-F5344CB8AC3E}">
-        <p14:creationId xmlns:p14="http://schemas.microsoft.com/office/powerpoint/2010/main" val="2465550997"/>
+        <p14:creationId xmlns:p14="http://schemas.microsoft.com/office/powerpoint/2010/main" val="1265014542"/>
       </p:ext>
     </p:extLst>
   </p:cSld>
@@ -8135,31 +8168,59 @@
           </a:p>
         </p:txBody>
       </p:sp>
+      <p:sp>
+        <p:nvSpPr>
+          <p:cNvPr id="3" name="Content Placeholder 2">
+            <a:extLst>
+              <a:ext uri="{FF2B5EF4-FFF2-40B4-BE49-F238E27FC236}">
+                <a16:creationId xmlns:a16="http://schemas.microsoft.com/office/drawing/2014/main" id="{E5C6AFF8-7F0F-4825-9187-6A467EF591BB}"/>
+              </a:ext>
+            </a:extLst>
+          </p:cNvPr>
+          <p:cNvSpPr>
+            <a:spLocks noGrp="1"/>
+          </p:cNvSpPr>
+          <p:nvPr>
+            <p:ph idx="1"/>
+          </p:nvPr>
+        </p:nvSpPr>
+        <p:spPr/>
+        <p:txBody>
+          <a:bodyPr>
+            <a:normAutofit/>
+          </a:bodyPr>
+          <a:lstStyle/>
+          <a:p>
+            <a:r>
+              <a:rPr lang="en-US" sz="1800" dirty="0"/>
+              <a:t>From the chart below, it's clear that the field sales and reseller are the most common channel of sales route to market across all regions.  In the pacific region, other sales channel also play some role to bring in revenue in comparison to other regions. </a:t>
+            </a:r>
+          </a:p>
+        </p:txBody>
+      </p:sp>
       <p:pic>
         <p:nvPicPr>
-          <p:cNvPr id="4" name="Content Placeholder 3">
+          <p:cNvPr id="4" name="Picture 3">
             <a:extLst>
               <a:ext uri="{FF2B5EF4-FFF2-40B4-BE49-F238E27FC236}">
-                <a16:creationId xmlns:a16="http://schemas.microsoft.com/office/drawing/2014/main" id="{FB1B5AE3-6BC6-4A17-BD49-86901F8FAC13}"/>
+                <a16:creationId xmlns:a16="http://schemas.microsoft.com/office/drawing/2014/main" id="{7BB82898-8BD9-4E65-BB26-9CDA64182213}"/>
               </a:ext>
             </a:extLst>
           </p:cNvPr>
           <p:cNvPicPr>
-            <a:picLocks noGrp="1" noChangeAspect="1"/>
+            <a:picLocks noChangeAspect="1"/>
           </p:cNvPicPr>
-          <p:nvPr>
-            <p:ph idx="1"/>
-          </p:nvPr>
+          <p:nvPr/>
         </p:nvPicPr>
         <p:blipFill rotWithShape="1">
           <a:blip r:embed="rId2"/>
-          <a:srcRect l="23611" t="19434" r="24355" b="18403"/>
+          <a:srcRect l="24532" t="16111" r="23179" b="23624"/>
           <a:stretch/>
         </p:blipFill>
         <p:spPr>
           <a:xfrm>
-            <a:off x="5385785" y="2390312"/>
-            <a:ext cx="6073673" cy="4081509"/>
+            <a:off x="2391442" y="3298371"/>
+            <a:ext cx="6208271" cy="3280284"/>
           </a:xfrm>
           <a:prstGeom prst="rect">
             <a:avLst/>
@@ -8169,7 +8230,7 @@
     </p:spTree>
     <p:extLst>
       <p:ext uri="{BB962C8B-B14F-4D97-AF65-F5344CB8AC3E}">
-        <p14:creationId xmlns:p14="http://schemas.microsoft.com/office/powerpoint/2010/main" val="3099415686"/>
+        <p14:creationId xmlns:p14="http://schemas.microsoft.com/office/powerpoint/2010/main" val="82357220"/>
       </p:ext>
     </p:extLst>
   </p:cSld>
@@ -8242,10 +8303,15 @@
         </p:nvSpPr>
         <p:spPr/>
         <p:txBody>
-          <a:bodyPr/>
+          <a:bodyPr>
+            <a:normAutofit/>
+          </a:bodyPr>
           <a:lstStyle/>
           <a:p>
-            <a:endParaRPr lang="en-US"/>
+            <a:r>
+              <a:rPr lang="en-US" sz="1800" dirty="0"/>
+              <a:t>Looking from left to right, this Scatter chart shows that irrespective of opportunity amounts, we start losing deals as they stay longer in the pipeline. This could help formulate threshold levels for each supplier based on how many days a deal is in the pipeline and create alert mechanisms to expedite its progression.</a:t>
+            </a:r>
           </a:p>
         </p:txBody>
       </p:sp>
@@ -8254,7 +8320,7 @@
           <p:cNvPr id="4" name="Picture 3">
             <a:extLst>
               <a:ext uri="{FF2B5EF4-FFF2-40B4-BE49-F238E27FC236}">
-                <a16:creationId xmlns:a16="http://schemas.microsoft.com/office/drawing/2014/main" id="{7BB82898-8BD9-4E65-BB26-9CDA64182213}"/>
+                <a16:creationId xmlns:a16="http://schemas.microsoft.com/office/drawing/2014/main" id="{C18CCBC0-281E-4D6D-89A8-32CE1BFBA746}"/>
               </a:ext>
             </a:extLst>
           </p:cNvPr>
@@ -8265,13 +8331,13 @@
         </p:nvPicPr>
         <p:blipFill rotWithShape="1">
           <a:blip r:embed="rId2"/>
-          <a:srcRect l="24532" t="16111" r="23179" b="23624"/>
+          <a:srcRect l="23516" t="13441" r="23034" b="25049"/>
           <a:stretch/>
         </p:blipFill>
         <p:spPr>
           <a:xfrm>
-            <a:off x="5343433" y="2336873"/>
-            <a:ext cx="6375092" cy="4132925"/>
+            <a:off x="2503714" y="3429000"/>
+            <a:ext cx="5812971" cy="3285949"/>
           </a:xfrm>
           <a:prstGeom prst="rect">
             <a:avLst/>
@@ -8281,7 +8347,7 @@
     </p:spTree>
     <p:extLst>
       <p:ext uri="{BB962C8B-B14F-4D97-AF65-F5344CB8AC3E}">
-        <p14:creationId xmlns:p14="http://schemas.microsoft.com/office/powerpoint/2010/main" val="82357220"/>
+        <p14:creationId xmlns:p14="http://schemas.microsoft.com/office/powerpoint/2010/main" val="2067438524"/>
       </p:ext>
     </p:extLst>
   </p:cSld>
@@ -8331,118 +8397,6 @@
           <a:p>
             <a:r>
               <a:rPr lang="en-US" dirty="0"/>
-              <a:t>Data Exploration </a:t>
-            </a:r>
-          </a:p>
-        </p:txBody>
-      </p:sp>
-      <p:sp>
-        <p:nvSpPr>
-          <p:cNvPr id="3" name="Content Placeholder 2">
-            <a:extLst>
-              <a:ext uri="{FF2B5EF4-FFF2-40B4-BE49-F238E27FC236}">
-                <a16:creationId xmlns:a16="http://schemas.microsoft.com/office/drawing/2014/main" id="{E5C6AFF8-7F0F-4825-9187-6A467EF591BB}"/>
-              </a:ext>
-            </a:extLst>
-          </p:cNvPr>
-          <p:cNvSpPr>
-            <a:spLocks noGrp="1"/>
-          </p:cNvSpPr>
-          <p:nvPr>
-            <p:ph idx="1"/>
-          </p:nvPr>
-        </p:nvSpPr>
-        <p:spPr/>
-        <p:txBody>
-          <a:bodyPr/>
-          <a:lstStyle/>
-          <a:p>
-            <a:endParaRPr lang="en-US"/>
-          </a:p>
-        </p:txBody>
-      </p:sp>
-      <p:pic>
-        <p:nvPicPr>
-          <p:cNvPr id="4" name="Picture 3">
-            <a:extLst>
-              <a:ext uri="{FF2B5EF4-FFF2-40B4-BE49-F238E27FC236}">
-                <a16:creationId xmlns:a16="http://schemas.microsoft.com/office/drawing/2014/main" id="{C18CCBC0-281E-4D6D-89A8-32CE1BFBA746}"/>
-              </a:ext>
-            </a:extLst>
-          </p:cNvPr>
-          <p:cNvPicPr>
-            <a:picLocks noChangeAspect="1"/>
-          </p:cNvPicPr>
-          <p:nvPr/>
-        </p:nvPicPr>
-        <p:blipFill rotWithShape="1">
-          <a:blip r:embed="rId2"/>
-          <a:srcRect l="23516" t="13441" r="23034" b="25049"/>
-          <a:stretch/>
-        </p:blipFill>
-        <p:spPr>
-          <a:xfrm>
-            <a:off x="5219607" y="2262338"/>
-            <a:ext cx="6516673" cy="4218361"/>
-          </a:xfrm>
-          <a:prstGeom prst="rect">
-            <a:avLst/>
-          </a:prstGeom>
-        </p:spPr>
-      </p:pic>
-    </p:spTree>
-    <p:extLst>
-      <p:ext uri="{BB962C8B-B14F-4D97-AF65-F5344CB8AC3E}">
-        <p14:creationId xmlns:p14="http://schemas.microsoft.com/office/powerpoint/2010/main" val="2067438524"/>
-      </p:ext>
-    </p:extLst>
-  </p:cSld>
-  <p:clrMapOvr>
-    <a:masterClrMapping/>
-  </p:clrMapOvr>
-</p:sld>
-</file>
-
-<file path=ppt/slides/slide8.xml><?xml version="1.0" encoding="utf-8"?>
-<p:sld xmlns:a="http://schemas.openxmlformats.org/drawingml/2006/main" xmlns:r="http://schemas.openxmlformats.org/officeDocument/2006/relationships" xmlns:p="http://schemas.openxmlformats.org/presentationml/2006/main">
-  <p:cSld>
-    <p:spTree>
-      <p:nvGrpSpPr>
-        <p:cNvPr id="1" name=""/>
-        <p:cNvGrpSpPr/>
-        <p:nvPr/>
-      </p:nvGrpSpPr>
-      <p:grpSpPr>
-        <a:xfrm>
-          <a:off x="0" y="0"/>
-          <a:ext cx="0" cy="0"/>
-          <a:chOff x="0" y="0"/>
-          <a:chExt cx="0" cy="0"/>
-        </a:xfrm>
-      </p:grpSpPr>
-      <p:sp>
-        <p:nvSpPr>
-          <p:cNvPr id="2" name="Title 1">
-            <a:extLst>
-              <a:ext uri="{FF2B5EF4-FFF2-40B4-BE49-F238E27FC236}">
-                <a16:creationId xmlns:a16="http://schemas.microsoft.com/office/drawing/2014/main" id="{36C94DC4-2124-47A2-8976-E2F475160DEF}"/>
-              </a:ext>
-            </a:extLst>
-          </p:cNvPr>
-          <p:cNvSpPr>
-            <a:spLocks noGrp="1"/>
-          </p:cNvSpPr>
-          <p:nvPr>
-            <p:ph type="title"/>
-          </p:nvPr>
-        </p:nvSpPr>
-        <p:spPr/>
-        <p:txBody>
-          <a:bodyPr/>
-          <a:lstStyle/>
-          <a:p>
-            <a:r>
-              <a:rPr lang="en-US" dirty="0"/>
               <a:t>Machine Learning Model</a:t>
             </a:r>
           </a:p>
@@ -8518,7 +8472,7 @@
 </p:sld>
 </file>
 
-<file path=ppt/slides/slide9.xml><?xml version="1.0" encoding="utf-8"?>
+<file path=ppt/slides/slide8.xml><?xml version="1.0" encoding="utf-8"?>
 <p:sld xmlns:a="http://schemas.openxmlformats.org/drawingml/2006/main" xmlns:r="http://schemas.openxmlformats.org/officeDocument/2006/relationships" xmlns:p="http://schemas.openxmlformats.org/presentationml/2006/main">
   <p:cSld>
     <p:spTree>
